--- a/content/resources/4-functions/functions.pptx
+++ b/content/resources/4-functions/functions.pptx
@@ -12,6 +12,7 @@
     <p:sldId id="262" r:id="rId6"/>
     <p:sldId id="257" r:id="rId7"/>
     <p:sldId id="261" r:id="rId8"/>
+    <p:sldId id="263" r:id="rId9"/>
   </p:sldIdLst>
   <p:sldSz cx="12192000" cy="6858000"/>
   <p:notesSz cx="6858000" cy="9144000"/>
@@ -249,7 +250,7 @@
           <a:p>
             <a:fld id="{8B92362E-F480-4286-BBDD-FA3089A75A34}" type="datetimeFigureOut">
               <a:rPr lang="en-GB" smtClean="0"/>
-              <a:t>31/07/2022</a:t>
+              <a:t>03/08/2022</a:t>
             </a:fld>
             <a:endParaRPr lang="en-GB"/>
           </a:p>
@@ -419,7 +420,7 @@
           <a:p>
             <a:fld id="{8B92362E-F480-4286-BBDD-FA3089A75A34}" type="datetimeFigureOut">
               <a:rPr lang="en-GB" smtClean="0"/>
-              <a:t>31/07/2022</a:t>
+              <a:t>03/08/2022</a:t>
             </a:fld>
             <a:endParaRPr lang="en-GB"/>
           </a:p>
@@ -599,7 +600,7 @@
           <a:p>
             <a:fld id="{8B92362E-F480-4286-BBDD-FA3089A75A34}" type="datetimeFigureOut">
               <a:rPr lang="en-GB" smtClean="0"/>
-              <a:t>31/07/2022</a:t>
+              <a:t>03/08/2022</a:t>
             </a:fld>
             <a:endParaRPr lang="en-GB"/>
           </a:p>
@@ -769,7 +770,7 @@
           <a:p>
             <a:fld id="{8B92362E-F480-4286-BBDD-FA3089A75A34}" type="datetimeFigureOut">
               <a:rPr lang="en-GB" smtClean="0"/>
-              <a:t>31/07/2022</a:t>
+              <a:t>03/08/2022</a:t>
             </a:fld>
             <a:endParaRPr lang="en-GB"/>
           </a:p>
@@ -1015,7 +1016,7 @@
           <a:p>
             <a:fld id="{8B92362E-F480-4286-BBDD-FA3089A75A34}" type="datetimeFigureOut">
               <a:rPr lang="en-GB" smtClean="0"/>
-              <a:t>31/07/2022</a:t>
+              <a:t>03/08/2022</a:t>
             </a:fld>
             <a:endParaRPr lang="en-GB"/>
           </a:p>
@@ -1247,7 +1248,7 @@
           <a:p>
             <a:fld id="{8B92362E-F480-4286-BBDD-FA3089A75A34}" type="datetimeFigureOut">
               <a:rPr lang="en-GB" smtClean="0"/>
-              <a:t>31/07/2022</a:t>
+              <a:t>03/08/2022</a:t>
             </a:fld>
             <a:endParaRPr lang="en-GB"/>
           </a:p>
@@ -1614,7 +1615,7 @@
           <a:p>
             <a:fld id="{8B92362E-F480-4286-BBDD-FA3089A75A34}" type="datetimeFigureOut">
               <a:rPr lang="en-GB" smtClean="0"/>
-              <a:t>31/07/2022</a:t>
+              <a:t>03/08/2022</a:t>
             </a:fld>
             <a:endParaRPr lang="en-GB"/>
           </a:p>
@@ -1732,7 +1733,7 @@
           <a:p>
             <a:fld id="{8B92362E-F480-4286-BBDD-FA3089A75A34}" type="datetimeFigureOut">
               <a:rPr lang="en-GB" smtClean="0"/>
-              <a:t>31/07/2022</a:t>
+              <a:t>03/08/2022</a:t>
             </a:fld>
             <a:endParaRPr lang="en-GB"/>
           </a:p>
@@ -1827,7 +1828,7 @@
           <a:p>
             <a:fld id="{8B92362E-F480-4286-BBDD-FA3089A75A34}" type="datetimeFigureOut">
               <a:rPr lang="en-GB" smtClean="0"/>
-              <a:t>31/07/2022</a:t>
+              <a:t>03/08/2022</a:t>
             </a:fld>
             <a:endParaRPr lang="en-GB"/>
           </a:p>
@@ -2104,7 +2105,7 @@
           <a:p>
             <a:fld id="{8B92362E-F480-4286-BBDD-FA3089A75A34}" type="datetimeFigureOut">
               <a:rPr lang="en-GB" smtClean="0"/>
-              <a:t>31/07/2022</a:t>
+              <a:t>03/08/2022</a:t>
             </a:fld>
             <a:endParaRPr lang="en-GB"/>
           </a:p>
@@ -2357,7 +2358,7 @@
           <a:p>
             <a:fld id="{8B92362E-F480-4286-BBDD-FA3089A75A34}" type="datetimeFigureOut">
               <a:rPr lang="en-GB" smtClean="0"/>
-              <a:t>31/07/2022</a:t>
+              <a:t>03/08/2022</a:t>
             </a:fld>
             <a:endParaRPr lang="en-GB"/>
           </a:p>
@@ -2570,7 +2571,7 @@
           <a:p>
             <a:fld id="{8B92362E-F480-4286-BBDD-FA3089A75A34}" type="datetimeFigureOut">
               <a:rPr lang="en-GB" smtClean="0"/>
-              <a:t>31/07/2022</a:t>
+              <a:t>03/08/2022</a:t>
             </a:fld>
             <a:endParaRPr lang="en-GB"/>
           </a:p>
@@ -3117,6 +3118,49 @@
           <a:bodyPr/>
           <a:lstStyle/>
           <a:p>
+            <a:pPr marL="0" indent="0">
+              <a:buNone/>
+            </a:pPr>
+            <a:r>
+              <a:rPr lang="en-GB" dirty="0" smtClean="0">
+                <a:solidFill>
+                  <a:srgbClr val="212529"/>
+                </a:solidFill>
+                <a:latin typeface="-apple-system"/>
+              </a:rPr>
+              <a:t>W</a:t>
+            </a:r>
+            <a:r>
+              <a:rPr lang="en-GB" b="0" i="0" dirty="0" smtClean="0">
+                <a:solidFill>
+                  <a:srgbClr val="212529"/>
+                </a:solidFill>
+                <a:effectLst/>
+                <a:latin typeface="-apple-system"/>
+              </a:rPr>
+              <a:t>henever</a:t>
+            </a:r>
+          </a:p>
+          <a:p>
+            <a:r>
+              <a:rPr lang="en-GB" dirty="0" smtClean="0">
+                <a:solidFill>
+                  <a:srgbClr val="212529"/>
+                </a:solidFill>
+                <a:latin typeface="-apple-system"/>
+              </a:rPr>
+              <a:t>Y</a:t>
+            </a:r>
+            <a:r>
+              <a:rPr lang="en-GB" b="0" i="0" dirty="0" smtClean="0">
+                <a:solidFill>
+                  <a:srgbClr val="212529"/>
+                </a:solidFill>
+                <a:effectLst/>
+                <a:latin typeface="-apple-system"/>
+              </a:rPr>
+              <a:t>ou’ve </a:t>
+            </a:r>
             <a:r>
               <a:rPr lang="en-GB" b="0" i="0" dirty="0">
                 <a:solidFill>
@@ -3125,7 +3169,7 @@
                 <a:effectLst/>
                 <a:latin typeface="-apple-system"/>
               </a:rPr>
-              <a:t>whenever you’ve copied and pasted a block of code more than twice</a:t>
+              <a:t>copied and pasted a block of code more than twice</a:t>
             </a:r>
           </a:p>
           <a:p>
@@ -3855,6 +3899,98 @@
     <p:extLst>
       <p:ext uri="{BB962C8B-B14F-4D97-AF65-F5344CB8AC3E}">
         <p14:creationId xmlns:p14="http://schemas.microsoft.com/office/powerpoint/2010/main" val="2544336767"/>
+      </p:ext>
+    </p:extLst>
+  </p:cSld>
+  <p:clrMapOvr>
+    <a:masterClrMapping/>
+  </p:clrMapOvr>
+</p:sld>
+</file>
+
+<file path=ppt/slides/slide8.xml><?xml version="1.0" encoding="utf-8"?>
+<p:sld xmlns:a="http://schemas.openxmlformats.org/drawingml/2006/main" xmlns:r="http://schemas.openxmlformats.org/officeDocument/2006/relationships" xmlns:p="http://schemas.openxmlformats.org/presentationml/2006/main">
+  <p:cSld>
+    <p:spTree>
+      <p:nvGrpSpPr>
+        <p:cNvPr id="1" name=""/>
+        <p:cNvGrpSpPr/>
+        <p:nvPr/>
+      </p:nvGrpSpPr>
+      <p:grpSpPr>
+        <a:xfrm>
+          <a:off x="0" y="0"/>
+          <a:ext cx="0" cy="0"/>
+          <a:chOff x="0" y="0"/>
+          <a:chExt cx="0" cy="0"/>
+        </a:xfrm>
+      </p:grpSpPr>
+      <p:sp>
+        <p:nvSpPr>
+          <p:cNvPr id="2" name="Title 1"/>
+          <p:cNvSpPr>
+            <a:spLocks noGrp="1"/>
+          </p:cNvSpPr>
+          <p:nvPr>
+            <p:ph type="title"/>
+          </p:nvPr>
+        </p:nvSpPr>
+        <p:spPr/>
+        <p:txBody>
+          <a:bodyPr/>
+          <a:lstStyle/>
+          <a:p>
+            <a:endParaRPr lang="en-GB"/>
+          </a:p>
+        </p:txBody>
+      </p:sp>
+      <p:pic>
+        <p:nvPicPr>
+          <p:cNvPr id="6" name="Picture 2" descr="This is not a pipe - Magritte's most famous painting"/>
+          <p:cNvPicPr>
+            <a:picLocks noGrp="1" noChangeAspect="1" noChangeArrowheads="1"/>
+          </p:cNvPicPr>
+          <p:nvPr>
+            <p:ph idx="1"/>
+          </p:nvPr>
+        </p:nvPicPr>
+        <p:blipFill>
+          <a:blip r:embed="rId2" cstate="print">
+            <a:extLst>
+              <a:ext uri="{28A0092B-C50C-407E-A947-70E740481C1C}">
+                <a14:useLocalDpi xmlns:a14="http://schemas.microsoft.com/office/drawing/2010/main" val="0"/>
+              </a:ext>
+            </a:extLst>
+          </a:blip>
+          <a:srcRect/>
+          <a:stretch>
+            <a:fillRect/>
+          </a:stretch>
+        </p:blipFill>
+        <p:spPr bwMode="auto">
+          <a:xfrm>
+            <a:off x="2055178" y="365558"/>
+            <a:ext cx="8081643" cy="5811838"/>
+          </a:xfrm>
+          <a:prstGeom prst="rect">
+            <a:avLst/>
+          </a:prstGeom>
+          <a:noFill/>
+          <a:extLst>
+            <a:ext uri="{909E8E84-426E-40DD-AFC4-6F175D3DCCD1}">
+              <a14:hiddenFill xmlns:a14="http://schemas.microsoft.com/office/drawing/2010/main">
+                <a:solidFill>
+                  <a:srgbClr val="FFFFFF"/>
+                </a:solidFill>
+              </a14:hiddenFill>
+            </a:ext>
+          </a:extLst>
+        </p:spPr>
+      </p:pic>
+    </p:spTree>
+    <p:extLst>
+      <p:ext uri="{BB962C8B-B14F-4D97-AF65-F5344CB8AC3E}">
+        <p14:creationId xmlns:p14="http://schemas.microsoft.com/office/powerpoint/2010/main" val="1602440528"/>
       </p:ext>
     </p:extLst>
   </p:cSld>
